--- a/IBM Internship ppt.pptx
+++ b/IBM Internship ppt.pptx
@@ -5,7 +5,7 @@
     <p:sldMasterId id="2147483712" r:id="rId4"/>
   </p:sldMasterIdLst>
   <p:notesMasterIdLst>
-    <p:notesMasterId r:id="rId22"/>
+    <p:notesMasterId r:id="rId23"/>
   </p:notesMasterIdLst>
   <p:sldIdLst>
     <p:sldId id="256" r:id="rId5"/>
@@ -24,7 +24,8 @@
     <p:sldId id="2146847061" r:id="rId18"/>
     <p:sldId id="2146847055" r:id="rId19"/>
     <p:sldId id="2146847059" r:id="rId20"/>
-    <p:sldId id="259" r:id="rId21"/>
+    <p:sldId id="2146847070" r:id="rId21"/>
+    <p:sldId id="259" r:id="rId22"/>
   </p:sldIdLst>
   <p:sldSz cx="12192000" cy="6858000"/>
   <p:notesSz cx="6858000" cy="9144000"/>
@@ -223,7 +224,7 @@
           <a:p>
             <a:fld id="{46256A78-79A6-408F-8148-4F87BB81602D}" type="datetimeFigureOut">
               <a:rPr lang="en-IN" smtClean="0"/>
-              <a:t>30-07-2025</a:t>
+              <a:t>31-07-2025</a:t>
             </a:fld>
             <a:endParaRPr lang="en-IN" dirty="0"/>
           </a:p>
@@ -727,7 +728,7 @@
           <a:p>
             <a:fld id="{ED291B17-9318-49DB-B28B-6E5994AE9581}" type="datetime1">
               <a:rPr lang="en-US" smtClean="0"/>
-              <a:t>7/30/2025</a:t>
+              <a:t>7/31/2025</a:t>
             </a:fld>
             <a:endParaRPr lang="en-US" dirty="0"/>
           </a:p>
@@ -936,7 +937,7 @@
           <a:p>
             <a:fld id="{2CED4963-E985-44C4-B8C4-FDD613B7C2F8}" type="datetime1">
               <a:rPr lang="en-US" smtClean="0"/>
-              <a:t>7/30/2025</a:t>
+              <a:t>7/31/2025</a:t>
             </a:fld>
             <a:endParaRPr lang="en-US" dirty="0"/>
           </a:p>
@@ -1304,7 +1305,7 @@
           <a:p>
             <a:fld id="{ED291B17-9318-49DB-B28B-6E5994AE9581}" type="datetime1">
               <a:rPr lang="en-US" smtClean="0"/>
-              <a:t>7/30/2025</a:t>
+              <a:t>7/31/2025</a:t>
             </a:fld>
             <a:endParaRPr lang="en-US" dirty="0"/>
           </a:p>
@@ -1508,7 +1509,7 @@
           <a:p>
             <a:fld id="{78DD82B9-B8EE-4375-B6FF-88FA6ABB15D9}" type="datetime1">
               <a:rPr lang="en-US" smtClean="0"/>
-              <a:t>7/30/2025</a:t>
+              <a:t>7/31/2025</a:t>
             </a:fld>
             <a:endParaRPr lang="en-US" dirty="0"/>
           </a:p>
@@ -1765,7 +1766,7 @@
           <a:p>
             <a:fld id="{B2497495-0637-405E-AE64-5CC7506D51F5}" type="datetime1">
               <a:rPr lang="en-US" smtClean="0"/>
-              <a:t>7/30/2025</a:t>
+              <a:t>7/31/2025</a:t>
             </a:fld>
             <a:endParaRPr lang="en-US" dirty="0"/>
           </a:p>
@@ -2023,7 +2024,7 @@
           <a:p>
             <a:fld id="{7BFFD690-9426-415D-8B65-26881E07B2D4}" type="datetime1">
               <a:rPr lang="en-US" smtClean="0"/>
-              <a:t>7/30/2025</a:t>
+              <a:t>7/31/2025</a:t>
             </a:fld>
             <a:endParaRPr lang="en-US" dirty="0"/>
           </a:p>
@@ -2450,7 +2451,7 @@
           <a:p>
             <a:fld id="{04C4989A-474C-40DE-95B9-011C28B71673}" type="datetime1">
               <a:rPr lang="en-US" smtClean="0"/>
-              <a:t>7/30/2025</a:t>
+              <a:t>7/31/2025</a:t>
             </a:fld>
             <a:endParaRPr lang="en-US" dirty="0"/>
           </a:p>
@@ -2580,7 +2581,7 @@
           <a:p>
             <a:fld id="{5DB4ED54-5B5E-4A04-93D3-5772E3CE3818}" type="datetime1">
               <a:rPr lang="en-US" smtClean="0"/>
-              <a:t>7/30/2025</a:t>
+              <a:t>7/31/2025</a:t>
             </a:fld>
             <a:endParaRPr lang="en-US" dirty="0"/>
           </a:p>
@@ -2683,7 +2684,7 @@
           <a:p>
             <a:fld id="{4EDE50D6-574B-40AF-946F-D52A04ADE379}" type="datetime1">
               <a:rPr lang="en-US" smtClean="0"/>
-              <a:t>7/30/2025</a:t>
+              <a:t>7/31/2025</a:t>
             </a:fld>
             <a:endParaRPr lang="en-US" dirty="0"/>
           </a:p>
@@ -3066,7 +3067,7 @@
           <a:p>
             <a:fld id="{D82884F1-FFEA-405F-9602-3DCA865EDA4E}" type="datetime1">
               <a:rPr lang="en-US" smtClean="0"/>
-              <a:t>7/30/2025</a:t>
+              <a:t>7/31/2025</a:t>
             </a:fld>
             <a:endParaRPr lang="en-US" dirty="0"/>
           </a:p>
@@ -3360,7 +3361,7 @@
           <a:p>
             <a:fld id="{7E18DB4A-8810-4A10-AD5C-D5E2C667F5B3}" type="datetime1">
               <a:rPr lang="en-US" smtClean="0"/>
-              <a:t>7/30/2025</a:t>
+              <a:t>7/31/2025</a:t>
             </a:fld>
             <a:endParaRPr lang="en-US" dirty="0"/>
           </a:p>
@@ -3581,7 +3582,7 @@
           <a:p>
             <a:fld id="{ED291B17-9318-49DB-B28B-6E5994AE9581}" type="datetime1">
               <a:rPr lang="en-US" smtClean="0"/>
-              <a:t>7/30/2025</a:t>
+              <a:t>7/31/2025</a:t>
             </a:fld>
             <a:endParaRPr lang="en-US" dirty="0"/>
           </a:p>
@@ -4913,40 +4914,43 @@
           <a:lstStyle/>
           <a:p>
             <a:r>
-              <a:rPr lang="en-US" sz="2000" i="1" dirty="0">
+              <a:rPr lang="en-IN" sz="2000" dirty="0" err="1">
                 <a:latin typeface="Calibri" panose="020F0502020204030204" pitchFamily="34" charset="0"/>
                 <a:ea typeface="Calibri" panose="020F0502020204030204" pitchFamily="34" charset="0"/>
                 <a:cs typeface="Calibri" panose="020F0502020204030204" pitchFamily="34" charset="0"/>
               </a:rPr>
-              <a:t>This project was built using IBM </a:t>
-            </a:r>
-            <a:r>
-              <a:rPr lang="en-US" sz="2000" i="1" dirty="0" err="1">
+              <a:t>Github</a:t>
+            </a:r>
+            <a:r>
+              <a:rPr lang="en-IN" sz="2000" dirty="0">
                 <a:latin typeface="Calibri" panose="020F0502020204030204" pitchFamily="34" charset="0"/>
                 <a:ea typeface="Calibri" panose="020F0502020204030204" pitchFamily="34" charset="0"/>
                 <a:cs typeface="Calibri" panose="020F0502020204030204" pitchFamily="34" charset="0"/>
               </a:rPr>
-              <a:t>Watsonx.ai’s</a:t>
-            </a:r>
-            <a:r>
-              <a:rPr lang="en-US" sz="2000" i="1" dirty="0">
+              <a:t> link: </a:t>
+            </a:r>
+            <a:r>
+              <a:rPr lang="en-IN" sz="2000" dirty="0">
+                <a:solidFill>
+                  <a:schemeClr val="accent2"/>
+                </a:solidFill>
                 <a:latin typeface="Calibri" panose="020F0502020204030204" pitchFamily="34" charset="0"/>
                 <a:ea typeface="Calibri" panose="020F0502020204030204" pitchFamily="34" charset="0"/>
                 <a:cs typeface="Calibri" panose="020F0502020204030204" pitchFamily="34" charset="0"/>
+                <a:hlinkClick r:id="rId2">
+                  <a:extLst>
+                    <a:ext uri="{A12FA001-AC4F-418D-AE19-62706E023703}">
+                      <ahyp:hlinkClr xmlns:ahyp="http://schemas.microsoft.com/office/drawing/2018/hyperlinkcolor" val="tx"/>
+                    </a:ext>
+                  </a:extLst>
+                </a:hlinkClick>
               </a:rPr>
-              <a:t> Agent Lab interface and does not include any deployable source code.</a:t>
-            </a:r>
-          </a:p>
-          <a:p>
-            <a:r>
-              <a:rPr lang="en-US" sz="2000" i="1" dirty="0">
-                <a:latin typeface="Calibri" panose="020F0502020204030204" pitchFamily="34" charset="0"/>
-                <a:ea typeface="Calibri" panose="020F0502020204030204" pitchFamily="34" charset="0"/>
-                <a:cs typeface="Calibri" panose="020F0502020204030204" pitchFamily="34" charset="0"/>
-              </a:rPr>
-              <a:t>It also does not have a publicly accessible URL for agent preview, as IBM Cloud currently restricts direct public deployment of AI agents.</a:t>
+              <a:t>https://github.com/InsaneIshita/LearnMate-Agentic-AI</a:t>
             </a:r>
             <a:endParaRPr lang="en-IN" sz="2000" dirty="0">
+              <a:solidFill>
+                <a:schemeClr val="accent2"/>
+              </a:solidFill>
               <a:latin typeface="Calibri" panose="020F0502020204030204" pitchFamily="34" charset="0"/>
               <a:ea typeface="Calibri" panose="020F0502020204030204" pitchFamily="34" charset="0"/>
               <a:cs typeface="Calibri" panose="020F0502020204030204" pitchFamily="34" charset="0"/>
@@ -5308,6 +5312,66 @@
 </file>
 
 <file path=ppt/slides/slide17.xml><?xml version="1.0" encoding="utf-8"?>
+<p:sld xmlns:a="http://schemas.openxmlformats.org/drawingml/2006/main" xmlns:r="http://schemas.openxmlformats.org/officeDocument/2006/relationships" xmlns:p="http://schemas.openxmlformats.org/presentationml/2006/main">
+  <p:cSld>
+    <p:spTree>
+      <p:nvGrpSpPr>
+        <p:cNvPr id="1" name=""/>
+        <p:cNvGrpSpPr/>
+        <p:nvPr/>
+      </p:nvGrpSpPr>
+      <p:grpSpPr>
+        <a:xfrm>
+          <a:off x="0" y="0"/>
+          <a:ext cx="0" cy="0"/>
+          <a:chOff x="0" y="0"/>
+          <a:chExt cx="0" cy="0"/>
+        </a:xfrm>
+      </p:grpSpPr>
+      <p:pic>
+        <p:nvPicPr>
+          <p:cNvPr id="5" name="Content Placeholder 4">
+            <a:extLst>
+              <a:ext uri="{FF2B5EF4-FFF2-40B4-BE49-F238E27FC236}">
+                <a16:creationId xmlns:a16="http://schemas.microsoft.com/office/drawing/2014/main" id="{13448C31-F477-56EB-6D15-FBA83EAA7DF2}"/>
+              </a:ext>
+            </a:extLst>
+          </p:cNvPr>
+          <p:cNvPicPr>
+            <a:picLocks noGrp="1" noChangeAspect="1"/>
+          </p:cNvPicPr>
+          <p:nvPr>
+            <p:ph idx="1"/>
+          </p:nvPr>
+        </p:nvPicPr>
+        <p:blipFill>
+          <a:blip r:embed="rId2"/>
+          <a:srcRect t="625" b="1"/>
+          <a:stretch>
+            <a:fillRect/>
+          </a:stretch>
+        </p:blipFill>
+        <p:spPr>
+          <a:xfrm>
+            <a:off x="2324864" y="1330960"/>
+            <a:ext cx="7542271" cy="4644390"/>
+          </a:xfrm>
+        </p:spPr>
+      </p:pic>
+    </p:spTree>
+    <p:extLst>
+      <p:ext uri="{BB962C8B-B14F-4D97-AF65-F5344CB8AC3E}">
+        <p14:creationId xmlns:p14="http://schemas.microsoft.com/office/powerpoint/2010/main" val="2597733243"/>
+      </p:ext>
+    </p:extLst>
+  </p:cSld>
+  <p:clrMapOvr>
+    <a:masterClrMapping/>
+  </p:clrMapOvr>
+</p:sld>
+</file>
+
+<file path=ppt/slides/slide18.xml><?xml version="1.0" encoding="utf-8"?>
 <p:sld xmlns:a="http://schemas.openxmlformats.org/drawingml/2006/main" xmlns:r="http://schemas.openxmlformats.org/officeDocument/2006/relationships" xmlns:p="http://schemas.openxmlformats.org/presentationml/2006/main">
   <p:cSld>
     <p:spTree>
@@ -7484,23 +7548,6 @@
 </file>
 
 <file path=customXml/item1.xml><?xml version="1.0" encoding="utf-8"?>
-<p:properties xmlns:p="http://schemas.microsoft.com/office/2006/metadata/properties" xmlns:xsi="http://www.w3.org/2001/XMLSchema-instance" xmlns:pc="http://schemas.microsoft.com/office/infopath/2007/PartnerControls">
-  <documentManagement>
-    <_activity xmlns="b30265f8-c5e2-4918-b4a1-b977299ca3e2" xsi:nil="true"/>
-  </documentManagement>
-</p:properties>
-</file>
-
-<file path=customXml/item2.xml><?xml version="1.0" encoding="utf-8"?>
-<?mso-contentType ?>
-<FormTemplates xmlns="http://schemas.microsoft.com/sharepoint/v3/contenttype/forms">
-  <Display>DocumentLibraryForm</Display>
-  <Edit>DocumentLibraryForm</Edit>
-  <New>DocumentLibraryForm</New>
-</FormTemplates>
-</file>
-
-<file path=customXml/item3.xml><?xml version="1.0" encoding="utf-8"?>
 <ct:contentTypeSchema xmlns:ct="http://schemas.microsoft.com/office/2006/metadata/contentType" xmlns:ma="http://schemas.microsoft.com/office/2006/metadata/properties/metaAttributes" ct:_="" ma:_="" ma:contentTypeName="Document" ma:contentTypeID="0x0101007F0268AC5E70984D8FE60B7154176407" ma:contentTypeVersion="15" ma:contentTypeDescription="Create a new document." ma:contentTypeScope="" ma:versionID="104e359103f0f57b1cf9676756e5b944">
   <xsd:schema xmlns:xsd="http://www.w3.org/2001/XMLSchema" xmlns:xs="http://www.w3.org/2001/XMLSchema" xmlns:p="http://schemas.microsoft.com/office/2006/metadata/properties" xmlns:ns3="b30265f8-c5e2-4918-b4a1-b977299ca3e2" xmlns:ns4="fadb41d3-f9cb-40fb-903c-8cacaba95bb5" targetNamespace="http://schemas.microsoft.com/office/2006/metadata/properties" ma:root="true" ma:fieldsID="5615b8f8aa772998bad551f24a33de0e" ns3:_="" ns4:_="">
     <xsd:import namespace="b30265f8-c5e2-4918-b4a1-b977299ca3e2"/>
@@ -7733,32 +7780,24 @@
 </ct:contentTypeSchema>
 </file>
 
-<file path=customXml/itemProps1.xml><?xml version="1.0" encoding="utf-8"?>
-<ds:datastoreItem xmlns:ds="http://schemas.openxmlformats.org/officeDocument/2006/customXml" ds:itemID="{8D289AE2-D2AE-49D1-AFAC-3A79F6794255}">
-  <ds:schemaRefs>
-    <ds:schemaRef ds:uri="http://www.w3.org/XML/1998/namespace"/>
-    <ds:schemaRef ds:uri="http://purl.org/dc/dcmitype/"/>
-    <ds:schemaRef ds:uri="http://purl.org/dc/terms/"/>
-    <ds:schemaRef ds:uri="fadb41d3-f9cb-40fb-903c-8cacaba95bb5"/>
-    <ds:schemaRef ds:uri="http://purl.org/dc/elements/1.1/"/>
-    <ds:schemaRef ds:uri="http://schemas.microsoft.com/office/2006/documentManagement/types"/>
-    <ds:schemaRef ds:uri="http://schemas.microsoft.com/office/infopath/2007/PartnerControls"/>
-    <ds:schemaRef ds:uri="http://schemas.openxmlformats.org/package/2006/metadata/core-properties"/>
-    <ds:schemaRef ds:uri="b30265f8-c5e2-4918-b4a1-b977299ca3e2"/>
-    <ds:schemaRef ds:uri="http://schemas.microsoft.com/office/2006/metadata/properties"/>
-  </ds:schemaRefs>
-</ds:datastoreItem>
+<file path=customXml/item2.xml><?xml version="1.0" encoding="utf-8"?>
+<?mso-contentType ?>
+<FormTemplates xmlns="http://schemas.microsoft.com/sharepoint/v3/contenttype/forms">
+  <Display>DocumentLibraryForm</Display>
+  <Edit>DocumentLibraryForm</Edit>
+  <New>DocumentLibraryForm</New>
+</FormTemplates>
 </file>
 
-<file path=customXml/itemProps2.xml><?xml version="1.0" encoding="utf-8"?>
-<ds:datastoreItem xmlns:ds="http://schemas.openxmlformats.org/officeDocument/2006/customXml" ds:itemID="{927BD4C1-B6B1-4715-ABF9-E660A51A4EA0}">
-  <ds:schemaRefs>
-    <ds:schemaRef ds:uri="http://schemas.microsoft.com/sharepoint/v3/contenttype/forms"/>
-  </ds:schemaRefs>
-</ds:datastoreItem>
+<file path=customXml/item3.xml><?xml version="1.0" encoding="utf-8"?>
+<p:properties xmlns:p="http://schemas.microsoft.com/office/2006/metadata/properties" xmlns:xsi="http://www.w3.org/2001/XMLSchema-instance" xmlns:pc="http://schemas.microsoft.com/office/infopath/2007/PartnerControls">
+  <documentManagement>
+    <_activity xmlns="b30265f8-c5e2-4918-b4a1-b977299ca3e2" xsi:nil="true"/>
+  </documentManagement>
+</p:properties>
 </file>
 
-<file path=customXml/itemProps3.xml><?xml version="1.0" encoding="utf-8"?>
+<file path=customXml/itemProps1.xml><?xml version="1.0" encoding="utf-8"?>
 <ds:datastoreItem xmlns:ds="http://schemas.openxmlformats.org/officeDocument/2006/customXml" ds:itemID="{9DD71778-17EE-4151-88AE-C8F4E8043BD9}">
   <ds:schemaRefs>
     <ds:schemaRef ds:uri="http://schemas.microsoft.com/office/2006/metadata/contentType"/>
@@ -7775,4 +7814,29 @@
     <ds:schemaRef ds:uri="http://schemas.microsoft.com/internal/obd"/>
   </ds:schemaRefs>
 </ds:datastoreItem>
+</file>
+
+<file path=customXml/itemProps2.xml><?xml version="1.0" encoding="utf-8"?>
+<ds:datastoreItem xmlns:ds="http://schemas.openxmlformats.org/officeDocument/2006/customXml" ds:itemID="{927BD4C1-B6B1-4715-ABF9-E660A51A4EA0}">
+  <ds:schemaRefs>
+    <ds:schemaRef ds:uri="http://schemas.microsoft.com/sharepoint/v3/contenttype/forms"/>
+  </ds:schemaRefs>
+</ds:datastoreItem>
+</file>
+
+<file path=customXml/itemProps3.xml><?xml version="1.0" encoding="utf-8"?>
+<ds:datastoreItem xmlns:ds="http://schemas.openxmlformats.org/officeDocument/2006/customXml" ds:itemID="{8D289AE2-D2AE-49D1-AFAC-3A79F6794255}">
+  <ds:schemaRefs>
+    <ds:schemaRef ds:uri="http://www.w3.org/XML/1998/namespace"/>
+    <ds:schemaRef ds:uri="http://purl.org/dc/dcmitype/"/>
+    <ds:schemaRef ds:uri="http://purl.org/dc/terms/"/>
+    <ds:schemaRef ds:uri="fadb41d3-f9cb-40fb-903c-8cacaba95bb5"/>
+    <ds:schemaRef ds:uri="http://purl.org/dc/elements/1.1/"/>
+    <ds:schemaRef ds:uri="http://schemas.microsoft.com/office/2006/documentManagement/types"/>
+    <ds:schemaRef ds:uri="http://schemas.microsoft.com/office/infopath/2007/PartnerControls"/>
+    <ds:schemaRef ds:uri="http://schemas.openxmlformats.org/package/2006/metadata/core-properties"/>
+    <ds:schemaRef ds:uri="b30265f8-c5e2-4918-b4a1-b977299ca3e2"/>
+    <ds:schemaRef ds:uri="http://schemas.microsoft.com/office/2006/metadata/properties"/>
+  </ds:schemaRefs>
+</ds:datastoreItem>
 </file>
--- a/IBM Internship ppt.pptx
+++ b/IBM Internship ppt.pptx
@@ -5,7 +5,7 @@
     <p:sldMasterId id="2147483712" r:id="rId4"/>
   </p:sldMasterIdLst>
   <p:notesMasterIdLst>
-    <p:notesMasterId r:id="rId23"/>
+    <p:notesMasterId r:id="rId24"/>
   </p:notesMasterIdLst>
   <p:sldIdLst>
     <p:sldId id="256" r:id="rId5"/>
@@ -25,7 +25,8 @@
     <p:sldId id="2146847055" r:id="rId19"/>
     <p:sldId id="2146847059" r:id="rId20"/>
     <p:sldId id="2146847070" r:id="rId21"/>
-    <p:sldId id="259" r:id="rId22"/>
+    <p:sldId id="2146847071" r:id="rId22"/>
+    <p:sldId id="259" r:id="rId23"/>
   </p:sldIdLst>
   <p:sldSz cx="12192000" cy="6858000"/>
   <p:notesSz cx="6858000" cy="9144000"/>
@@ -224,7 +225,7 @@
           <a:p>
             <a:fld id="{46256A78-79A6-408F-8148-4F87BB81602D}" type="datetimeFigureOut">
               <a:rPr lang="en-IN" smtClean="0"/>
-              <a:t>31-07-2025</a:t>
+              <a:t>08-08-2025</a:t>
             </a:fld>
             <a:endParaRPr lang="en-IN" dirty="0"/>
           </a:p>
@@ -728,7 +729,7 @@
           <a:p>
             <a:fld id="{ED291B17-9318-49DB-B28B-6E5994AE9581}" type="datetime1">
               <a:rPr lang="en-US" smtClean="0"/>
-              <a:t>7/31/2025</a:t>
+              <a:t>8/8/2025</a:t>
             </a:fld>
             <a:endParaRPr lang="en-US" dirty="0"/>
           </a:p>
@@ -937,7 +938,7 @@
           <a:p>
             <a:fld id="{2CED4963-E985-44C4-B8C4-FDD613B7C2F8}" type="datetime1">
               <a:rPr lang="en-US" smtClean="0"/>
-              <a:t>7/31/2025</a:t>
+              <a:t>8/8/2025</a:t>
             </a:fld>
             <a:endParaRPr lang="en-US" dirty="0"/>
           </a:p>
@@ -1305,7 +1306,7 @@
           <a:p>
             <a:fld id="{ED291B17-9318-49DB-B28B-6E5994AE9581}" type="datetime1">
               <a:rPr lang="en-US" smtClean="0"/>
-              <a:t>7/31/2025</a:t>
+              <a:t>8/8/2025</a:t>
             </a:fld>
             <a:endParaRPr lang="en-US" dirty="0"/>
           </a:p>
@@ -1509,7 +1510,7 @@
           <a:p>
             <a:fld id="{78DD82B9-B8EE-4375-B6FF-88FA6ABB15D9}" type="datetime1">
               <a:rPr lang="en-US" smtClean="0"/>
-              <a:t>7/31/2025</a:t>
+              <a:t>8/8/2025</a:t>
             </a:fld>
             <a:endParaRPr lang="en-US" dirty="0"/>
           </a:p>
@@ -1766,7 +1767,7 @@
           <a:p>
             <a:fld id="{B2497495-0637-405E-AE64-5CC7506D51F5}" type="datetime1">
               <a:rPr lang="en-US" smtClean="0"/>
-              <a:t>7/31/2025</a:t>
+              <a:t>8/8/2025</a:t>
             </a:fld>
             <a:endParaRPr lang="en-US" dirty="0"/>
           </a:p>
@@ -2024,7 +2025,7 @@
           <a:p>
             <a:fld id="{7BFFD690-9426-415D-8B65-26881E07B2D4}" type="datetime1">
               <a:rPr lang="en-US" smtClean="0"/>
-              <a:t>7/31/2025</a:t>
+              <a:t>8/8/2025</a:t>
             </a:fld>
             <a:endParaRPr lang="en-US" dirty="0"/>
           </a:p>
@@ -2451,7 +2452,7 @@
           <a:p>
             <a:fld id="{04C4989A-474C-40DE-95B9-011C28B71673}" type="datetime1">
               <a:rPr lang="en-US" smtClean="0"/>
-              <a:t>7/31/2025</a:t>
+              <a:t>8/8/2025</a:t>
             </a:fld>
             <a:endParaRPr lang="en-US" dirty="0"/>
           </a:p>
@@ -2581,7 +2582,7 @@
           <a:p>
             <a:fld id="{5DB4ED54-5B5E-4A04-93D3-5772E3CE3818}" type="datetime1">
               <a:rPr lang="en-US" smtClean="0"/>
-              <a:t>7/31/2025</a:t>
+              <a:t>8/8/2025</a:t>
             </a:fld>
             <a:endParaRPr lang="en-US" dirty="0"/>
           </a:p>
@@ -2684,7 +2685,7 @@
           <a:p>
             <a:fld id="{4EDE50D6-574B-40AF-946F-D52A04ADE379}" type="datetime1">
               <a:rPr lang="en-US" smtClean="0"/>
-              <a:t>7/31/2025</a:t>
+              <a:t>8/8/2025</a:t>
             </a:fld>
             <a:endParaRPr lang="en-US" dirty="0"/>
           </a:p>
@@ -3067,7 +3068,7 @@
           <a:p>
             <a:fld id="{D82884F1-FFEA-405F-9602-3DCA865EDA4E}" type="datetime1">
               <a:rPr lang="en-US" smtClean="0"/>
-              <a:t>7/31/2025</a:t>
+              <a:t>8/8/2025</a:t>
             </a:fld>
             <a:endParaRPr lang="en-US" dirty="0"/>
           </a:p>
@@ -3361,7 +3362,7 @@
           <a:p>
             <a:fld id="{7E18DB4A-8810-4A10-AD5C-D5E2C667F5B3}" type="datetime1">
               <a:rPr lang="en-US" smtClean="0"/>
-              <a:t>7/31/2025</a:t>
+              <a:t>8/8/2025</a:t>
             </a:fld>
             <a:endParaRPr lang="en-US" dirty="0"/>
           </a:p>
@@ -3582,7 +3583,7 @@
           <a:p>
             <a:fld id="{ED291B17-9318-49DB-B28B-6E5994AE9581}" type="datetime1">
               <a:rPr lang="en-US" smtClean="0"/>
-              <a:t>7/31/2025</a:t>
+              <a:t>8/8/2025</a:t>
             </a:fld>
             <a:endParaRPr lang="en-US" dirty="0"/>
           </a:p>
@@ -5372,6 +5373,68 @@
 </file>
 
 <file path=ppt/slides/slide18.xml><?xml version="1.0" encoding="utf-8"?>
+<p:sld xmlns:a="http://schemas.openxmlformats.org/drawingml/2006/main" xmlns:r="http://schemas.openxmlformats.org/officeDocument/2006/relationships" xmlns:p="http://schemas.openxmlformats.org/presentationml/2006/main">
+  <p:cSld>
+    <p:spTree>
+      <p:nvGrpSpPr>
+        <p:cNvPr id="1" name=""/>
+        <p:cNvGrpSpPr/>
+        <p:nvPr/>
+      </p:nvGrpSpPr>
+      <p:grpSpPr>
+        <a:xfrm>
+          <a:off x="0" y="0"/>
+          <a:ext cx="0" cy="0"/>
+          <a:chOff x="0" y="0"/>
+          <a:chExt cx="0" cy="0"/>
+        </a:xfrm>
+      </p:grpSpPr>
+      <p:pic>
+        <p:nvPicPr>
+          <p:cNvPr id="5" name="Content Placeholder 4">
+            <a:extLst>
+              <a:ext uri="{FF2B5EF4-FFF2-40B4-BE49-F238E27FC236}">
+                <a16:creationId xmlns:a16="http://schemas.microsoft.com/office/drawing/2014/main" id="{BDE4EF83-3D6E-4D2C-72DA-F39F961558BE}"/>
+              </a:ext>
+            </a:extLst>
+          </p:cNvPr>
+          <p:cNvPicPr>
+            <a:picLocks noGrp="1" noChangeAspect="1"/>
+          </p:cNvPicPr>
+          <p:nvPr>
+            <p:ph idx="1"/>
+          </p:nvPr>
+        </p:nvPicPr>
+        <p:blipFill>
+          <a:blip r:embed="rId2"/>
+          <a:stretch>
+            <a:fillRect/>
+          </a:stretch>
+        </p:blipFill>
+        <p:spPr>
+          <a:xfrm>
+            <a:off x="2275840" y="1310640"/>
+            <a:ext cx="7640320" cy="4845204"/>
+          </a:xfrm>
+          <a:prstGeom prst="rect">
+            <a:avLst/>
+          </a:prstGeom>
+        </p:spPr>
+      </p:pic>
+    </p:spTree>
+    <p:extLst>
+      <p:ext uri="{BB962C8B-B14F-4D97-AF65-F5344CB8AC3E}">
+        <p14:creationId xmlns:p14="http://schemas.microsoft.com/office/powerpoint/2010/main" val="119491403"/>
+      </p:ext>
+    </p:extLst>
+  </p:cSld>
+  <p:clrMapOvr>
+    <a:masterClrMapping/>
+  </p:clrMapOvr>
+</p:sld>
+</file>
+
+<file path=ppt/slides/slide19.xml><?xml version="1.0" encoding="utf-8"?>
 <p:sld xmlns:a="http://schemas.openxmlformats.org/drawingml/2006/main" xmlns:r="http://schemas.openxmlformats.org/officeDocument/2006/relationships" xmlns:p="http://schemas.openxmlformats.org/presentationml/2006/main">
   <p:cSld>
     <p:spTree>
@@ -7548,6 +7611,23 @@
 </file>
 
 <file path=customXml/item1.xml><?xml version="1.0" encoding="utf-8"?>
+<p:properties xmlns:p="http://schemas.microsoft.com/office/2006/metadata/properties" xmlns:xsi="http://www.w3.org/2001/XMLSchema-instance" xmlns:pc="http://schemas.microsoft.com/office/infopath/2007/PartnerControls">
+  <documentManagement>
+    <_activity xmlns="b30265f8-c5e2-4918-b4a1-b977299ca3e2" xsi:nil="true"/>
+  </documentManagement>
+</p:properties>
+</file>
+
+<file path=customXml/item2.xml><?xml version="1.0" encoding="utf-8"?>
+<?mso-contentType ?>
+<FormTemplates xmlns="http://schemas.microsoft.com/sharepoint/v3/contenttype/forms">
+  <Display>DocumentLibraryForm</Display>
+  <Edit>DocumentLibraryForm</Edit>
+  <New>DocumentLibraryForm</New>
+</FormTemplates>
+</file>
+
+<file path=customXml/item3.xml><?xml version="1.0" encoding="utf-8"?>
 <ct:contentTypeSchema xmlns:ct="http://schemas.microsoft.com/office/2006/metadata/contentType" xmlns:ma="http://schemas.microsoft.com/office/2006/metadata/properties/metaAttributes" ct:_="" ma:_="" ma:contentTypeName="Document" ma:contentTypeID="0x0101007F0268AC5E70984D8FE60B7154176407" ma:contentTypeVersion="15" ma:contentTypeDescription="Create a new document." ma:contentTypeScope="" ma:versionID="104e359103f0f57b1cf9676756e5b944">
   <xsd:schema xmlns:xsd="http://www.w3.org/2001/XMLSchema" xmlns:xs="http://www.w3.org/2001/XMLSchema" xmlns:p="http://schemas.microsoft.com/office/2006/metadata/properties" xmlns:ns3="b30265f8-c5e2-4918-b4a1-b977299ca3e2" xmlns:ns4="fadb41d3-f9cb-40fb-903c-8cacaba95bb5" targetNamespace="http://schemas.microsoft.com/office/2006/metadata/properties" ma:root="true" ma:fieldsID="5615b8f8aa772998bad551f24a33de0e" ns3:_="" ns4:_="">
     <xsd:import namespace="b30265f8-c5e2-4918-b4a1-b977299ca3e2"/>
@@ -7780,24 +7860,32 @@
 </ct:contentTypeSchema>
 </file>
 
-<file path=customXml/item2.xml><?xml version="1.0" encoding="utf-8"?>
-<?mso-contentType ?>
-<FormTemplates xmlns="http://schemas.microsoft.com/sharepoint/v3/contenttype/forms">
-  <Display>DocumentLibraryForm</Display>
-  <Edit>DocumentLibraryForm</Edit>
-  <New>DocumentLibraryForm</New>
-</FormTemplates>
+<file path=customXml/itemProps1.xml><?xml version="1.0" encoding="utf-8"?>
+<ds:datastoreItem xmlns:ds="http://schemas.openxmlformats.org/officeDocument/2006/customXml" ds:itemID="{8D289AE2-D2AE-49D1-AFAC-3A79F6794255}">
+  <ds:schemaRefs>
+    <ds:schemaRef ds:uri="http://www.w3.org/XML/1998/namespace"/>
+    <ds:schemaRef ds:uri="http://purl.org/dc/dcmitype/"/>
+    <ds:schemaRef ds:uri="http://purl.org/dc/terms/"/>
+    <ds:schemaRef ds:uri="fadb41d3-f9cb-40fb-903c-8cacaba95bb5"/>
+    <ds:schemaRef ds:uri="http://purl.org/dc/elements/1.1/"/>
+    <ds:schemaRef ds:uri="http://schemas.microsoft.com/office/2006/documentManagement/types"/>
+    <ds:schemaRef ds:uri="http://schemas.microsoft.com/office/infopath/2007/PartnerControls"/>
+    <ds:schemaRef ds:uri="http://schemas.openxmlformats.org/package/2006/metadata/core-properties"/>
+    <ds:schemaRef ds:uri="b30265f8-c5e2-4918-b4a1-b977299ca3e2"/>
+    <ds:schemaRef ds:uri="http://schemas.microsoft.com/office/2006/metadata/properties"/>
+  </ds:schemaRefs>
+</ds:datastoreItem>
 </file>
 
-<file path=customXml/item3.xml><?xml version="1.0" encoding="utf-8"?>
-<p:properties xmlns:p="http://schemas.microsoft.com/office/2006/metadata/properties" xmlns:xsi="http://www.w3.org/2001/XMLSchema-instance" xmlns:pc="http://schemas.microsoft.com/office/infopath/2007/PartnerControls">
-  <documentManagement>
-    <_activity xmlns="b30265f8-c5e2-4918-b4a1-b977299ca3e2" xsi:nil="true"/>
-  </documentManagement>
-</p:properties>
+<file path=customXml/itemProps2.xml><?xml version="1.0" encoding="utf-8"?>
+<ds:datastoreItem xmlns:ds="http://schemas.openxmlformats.org/officeDocument/2006/customXml" ds:itemID="{927BD4C1-B6B1-4715-ABF9-E660A51A4EA0}">
+  <ds:schemaRefs>
+    <ds:schemaRef ds:uri="http://schemas.microsoft.com/sharepoint/v3/contenttype/forms"/>
+  </ds:schemaRefs>
+</ds:datastoreItem>
 </file>
 
-<file path=customXml/itemProps1.xml><?xml version="1.0" encoding="utf-8"?>
+<file path=customXml/itemProps3.xml><?xml version="1.0" encoding="utf-8"?>
 <ds:datastoreItem xmlns:ds="http://schemas.openxmlformats.org/officeDocument/2006/customXml" ds:itemID="{9DD71778-17EE-4151-88AE-C8F4E8043BD9}">
   <ds:schemaRefs>
     <ds:schemaRef ds:uri="http://schemas.microsoft.com/office/2006/metadata/contentType"/>
@@ -7814,29 +7902,4 @@
     <ds:schemaRef ds:uri="http://schemas.microsoft.com/internal/obd"/>
   </ds:schemaRefs>
 </ds:datastoreItem>
-</file>
-
-<file path=customXml/itemProps2.xml><?xml version="1.0" encoding="utf-8"?>
-<ds:datastoreItem xmlns:ds="http://schemas.openxmlformats.org/officeDocument/2006/customXml" ds:itemID="{927BD4C1-B6B1-4715-ABF9-E660A51A4EA0}">
-  <ds:schemaRefs>
-    <ds:schemaRef ds:uri="http://schemas.microsoft.com/sharepoint/v3/contenttype/forms"/>
-  </ds:schemaRefs>
-</ds:datastoreItem>
-</file>
-
-<file path=customXml/itemProps3.xml><?xml version="1.0" encoding="utf-8"?>
-<ds:datastoreItem xmlns:ds="http://schemas.openxmlformats.org/officeDocument/2006/customXml" ds:itemID="{8D289AE2-D2AE-49D1-AFAC-3A79F6794255}">
-  <ds:schemaRefs>
-    <ds:schemaRef ds:uri="http://www.w3.org/XML/1998/namespace"/>
-    <ds:schemaRef ds:uri="http://purl.org/dc/dcmitype/"/>
-    <ds:schemaRef ds:uri="http://purl.org/dc/terms/"/>
-    <ds:schemaRef ds:uri="fadb41d3-f9cb-40fb-903c-8cacaba95bb5"/>
-    <ds:schemaRef ds:uri="http://purl.org/dc/elements/1.1/"/>
-    <ds:schemaRef ds:uri="http://schemas.microsoft.com/office/2006/documentManagement/types"/>
-    <ds:schemaRef ds:uri="http://schemas.microsoft.com/office/infopath/2007/PartnerControls"/>
-    <ds:schemaRef ds:uri="http://schemas.openxmlformats.org/package/2006/metadata/core-properties"/>
-    <ds:schemaRef ds:uri="b30265f8-c5e2-4918-b4a1-b977299ca3e2"/>
-    <ds:schemaRef ds:uri="http://schemas.microsoft.com/office/2006/metadata/properties"/>
-  </ds:schemaRefs>
-</ds:datastoreItem>
 </file>